--- a/Disused code/Misc/Lectures/3 Customizing DLMtool/L3a Modifying operating models.pptx
+++ b/Disused code/Misc/Lectures/3 Customizing DLMtool/L3a Modifying operating models.pptx
@@ -8717,11 +8717,6 @@
               </a:rPr>
               <a:t>CSV file conventions</a:t>
             </a:r>
-            <a:endParaRPr lang="en-CA" altLang="en-US" sz="2800" dirty="0" smtClean="0">
-              <a:solidFill>
-                <a:srgbClr val="27AFE5"/>
-              </a:solidFill>
-            </a:endParaRPr>
           </a:p>
           <a:p>
             <a:pPr marL="514350" indent="-514350" eaLnBrk="1" hangingPunct="1">
@@ -8739,11 +8734,6 @@
               </a:rPr>
               <a:t>Stock objects</a:t>
             </a:r>
-            <a:endParaRPr lang="en-CA" altLang="en-US" sz="2800" dirty="0" smtClean="0">
-              <a:solidFill>
-                <a:srgbClr val="27AFE5"/>
-              </a:solidFill>
-            </a:endParaRPr>
           </a:p>
           <a:p>
             <a:pPr marL="514350" indent="-514350" eaLnBrk="1" hangingPunct="1">
@@ -8761,11 +8751,6 @@
               </a:rPr>
               <a:t>Fleet objects</a:t>
             </a:r>
-            <a:endParaRPr lang="en-CA" altLang="en-US" sz="2800" dirty="0" smtClean="0">
-              <a:solidFill>
-                <a:srgbClr val="27AFE5"/>
-              </a:solidFill>
-            </a:endParaRPr>
           </a:p>
           <a:p>
             <a:pPr marL="514350" indent="-514350" eaLnBrk="1" hangingPunct="1">
@@ -8783,11 +8768,6 @@
               </a:rPr>
               <a:t>Observation objects</a:t>
             </a:r>
-            <a:endParaRPr lang="en-CA" altLang="en-US" sz="2800" dirty="0" smtClean="0">
-              <a:solidFill>
-                <a:srgbClr val="27AFE5"/>
-              </a:solidFill>
-            </a:endParaRPr>
           </a:p>
           <a:p>
             <a:pPr marL="514350" indent="-514350" eaLnBrk="1" hangingPunct="1">
@@ -8805,11 +8785,6 @@
               </a:rPr>
               <a:t>Implementation error objects</a:t>
             </a:r>
-            <a:endParaRPr lang="en-CA" altLang="en-US" sz="2800" dirty="0" smtClean="0">
-              <a:solidFill>
-                <a:srgbClr val="27AFE5"/>
-              </a:solidFill>
-            </a:endParaRPr>
           </a:p>
         </p:txBody>
       </p:sp>
@@ -9569,11 +9544,7 @@
             </a:pPr>
             <a:r>
               <a:rPr lang="en-CA" b="1" dirty="0"/>
-              <a:t> </a:t>
-            </a:r>
-            <a:r>
-              <a:rPr lang="en-CA" b="1" dirty="0"/>
-              <a:t>Output </a:t>
+              <a:t> Output </a:t>
             </a:r>
           </a:p>
           <a:p>
@@ -9921,11 +9892,6 @@
               </a:rPr>
               <a:t>Four of these items are the objects we used to build an operating model </a:t>
             </a:r>
-            <a:endParaRPr lang="en-CA" altLang="en-US" sz="2400" dirty="0" smtClean="0">
-              <a:solidFill>
-                <a:schemeClr val="bg1"/>
-              </a:solidFill>
-            </a:endParaRPr>
           </a:p>
         </p:txBody>
       </p:sp>
@@ -10016,15 +9982,7 @@
                   <a:srgbClr val="0070C0"/>
                 </a:solidFill>
               </a:rPr>
-              <a:t> </a:t>
-            </a:r>
-            <a:r>
-              <a:rPr lang="en-CA" altLang="en-US" sz="2400" dirty="0" smtClean="0">
-                <a:solidFill>
-                  <a:srgbClr val="0070C0"/>
-                </a:solidFill>
-              </a:rPr>
-              <a:t>Objects all contain ‘slots’ that </a:t>
+              <a:t> Objects all contain ‘slots’ that </a:t>
             </a:r>
           </a:p>
           <a:p>
@@ -10065,11 +10023,6 @@
               </a:rPr>
               <a:t>These objects and their slots are all ‘glued’ together in an operating model, allowing for customizability. </a:t>
             </a:r>
-            <a:endParaRPr lang="en-CA" altLang="en-US" sz="2400" dirty="0" smtClean="0">
-              <a:solidFill>
-                <a:srgbClr val="0070C0"/>
-              </a:solidFill>
-            </a:endParaRPr>
           </a:p>
         </p:txBody>
       </p:sp>
@@ -10083,13 +10036,13 @@
   <p:clrMapOvr>
     <a:masterClrMapping/>
   </p:clrMapOvr>
-  <mc:AlternateContent xmlns:mc="http://schemas.openxmlformats.org/markup-compatibility/2006">
-    <mc:Choice xmlns:p14="http://schemas.microsoft.com/office/powerpoint/2010/main" Requires="p14">
+  <mc:AlternateContent xmlns:mc="http://schemas.openxmlformats.org/markup-compatibility/2006" xmlns:p14="http://schemas.microsoft.com/office/powerpoint/2010/main">
+    <mc:Choice Requires="p14">
       <p:transition spd="med" p14:dur="700">
         <p:fade/>
       </p:transition>
     </mc:Choice>
-    <mc:Fallback>
+    <mc:Fallback xmlns="">
       <p:transition spd="med">
         <p:fade/>
       </p:transition>
@@ -11856,23 +11809,7 @@
                   <a:srgbClr val="00B050"/>
                 </a:solidFill>
               </a:rPr>
-              <a:t>Albacore = new(‘</a:t>
-            </a:r>
-            <a:r>
-              <a:rPr lang="en-CA" altLang="en-US" sz="2200" dirty="0" smtClean="0">
-                <a:solidFill>
-                  <a:srgbClr val="00B050"/>
-                </a:solidFill>
-              </a:rPr>
-              <a:t>Stock</a:t>
-            </a:r>
-            <a:r>
-              <a:rPr lang="en-CA" altLang="en-US" sz="2200" dirty="0" smtClean="0">
-                <a:solidFill>
-                  <a:srgbClr val="00B050"/>
-                </a:solidFill>
-              </a:rPr>
-              <a:t>’, ’C:/</a:t>
+              <a:t>Albacore = new(‘Stock’, ’C:/</a:t>
             </a:r>
             <a:r>
               <a:rPr lang="en-CA" altLang="en-US" sz="2200" dirty="0" err="1" smtClean="0">
@@ -11890,11 +11827,6 @@
               </a:rPr>
               <a:t>/Albacore.csv’)</a:t>
             </a:r>
-            <a:endParaRPr lang="en-CA" altLang="en-US" sz="2200" dirty="0" smtClean="0">
-              <a:solidFill>
-                <a:srgbClr val="00B050"/>
-              </a:solidFill>
-            </a:endParaRPr>
           </a:p>
           <a:p>
             <a:pPr marL="0" indent="0" eaLnBrk="1" hangingPunct="1">
@@ -12138,15 +12070,7 @@
                   <a:srgbClr val="00B050"/>
                 </a:solidFill>
               </a:rPr>
-              <a:t> = new</a:t>
-            </a:r>
-            <a:r>
-              <a:rPr lang="en-CA" altLang="en-US" sz="2200" dirty="0" smtClean="0">
-                <a:solidFill>
-                  <a:srgbClr val="00B050"/>
-                </a:solidFill>
-              </a:rPr>
-              <a:t>(‘OM’, Albacore, </a:t>
+              <a:t> = new(‘OM’, Albacore, </a:t>
             </a:r>
           </a:p>
           <a:p>
@@ -12163,21 +12087,8 @@
                   <a:srgbClr val="00B050"/>
                 </a:solidFill>
               </a:rPr>
-              <a:t>			  </a:t>
-            </a:r>
-            <a:r>
-              <a:rPr lang="en-CA" altLang="en-US" sz="2200" dirty="0" smtClean="0">
-                <a:solidFill>
-                  <a:srgbClr val="00B050"/>
-                </a:solidFill>
-              </a:rPr>
-              <a:t>Longline, </a:t>
-            </a:r>
-            <a:endParaRPr lang="en-CA" altLang="en-US" sz="2200" dirty="0" smtClean="0">
-              <a:solidFill>
-                <a:srgbClr val="00B050"/>
-              </a:solidFill>
-            </a:endParaRPr>
+              <a:t>			  Longline, </a:t>
+            </a:r>
           </a:p>
           <a:p>
             <a:pPr marL="0" indent="0" eaLnBrk="1" hangingPunct="1">
@@ -12226,21 +12137,8 @@
                   <a:srgbClr val="00B050"/>
                 </a:solidFill>
               </a:rPr>
-              <a:t>			  </a:t>
-            </a:r>
-            <a:r>
-              <a:rPr lang="en-CA" altLang="en-US" sz="2200" dirty="0" smtClean="0">
-                <a:solidFill>
-                  <a:srgbClr val="00B050"/>
-                </a:solidFill>
-              </a:rPr>
-              <a:t>Overages)</a:t>
-            </a:r>
-            <a:endParaRPr lang="en-CA" altLang="en-US" sz="2200" dirty="0" smtClean="0">
-              <a:solidFill>
-                <a:srgbClr val="00B050"/>
-              </a:solidFill>
-            </a:endParaRPr>
+              <a:t>			  Overages)</a:t>
+            </a:r>
           </a:p>
         </p:txBody>
       </p:sp>
@@ -13486,11 +13384,7 @@
           <a:p>
             <a:r>
               <a:rPr lang="en-CA" dirty="0" smtClean="0"/>
-              <a:t>Getting </a:t>
-            </a:r>
-            <a:r>
-              <a:rPr lang="en-CA" dirty="0" smtClean="0"/>
-              <a:t>help with objects</a:t>
+              <a:t>Getting help with objects</a:t>
             </a:r>
             <a:endParaRPr lang="en-CA" dirty="0"/>
           </a:p>
@@ -13508,7 +13402,7 @@
         </p:nvSpPr>
         <p:spPr>
           <a:xfrm>
-            <a:off x="734219" y="2132856"/>
+            <a:off x="734219" y="1695339"/>
             <a:ext cx="7675562" cy="3324027"/>
           </a:xfrm>
         </p:spPr>
@@ -13531,31 +13425,15 @@
                   <a:srgbClr val="0070C0"/>
                 </a:solidFill>
               </a:rPr>
-              <a:t>Cheat sheets for objects</a:t>
+              <a:t>Cheat sheets for objects:    </a:t>
             </a:r>
             <a:r>
               <a:rPr lang="en-CA" dirty="0" smtClean="0">
                 <a:solidFill>
-                  <a:srgbClr val="0070C0"/>
+                  <a:srgbClr val="27AFE5"/>
                 </a:solidFill>
               </a:rPr>
-              <a:t>:    </a:t>
-            </a:r>
-            <a:r>
-              <a:rPr lang="en-CA" dirty="0" smtClean="0">
-                <a:solidFill>
-                  <a:srgbClr val="27AFE5"/>
-                </a:solidFill>
-              </a:rPr>
-              <a:t>/</a:t>
-            </a:r>
-            <a:r>
-              <a:rPr lang="en-CA" dirty="0" smtClean="0">
-                <a:solidFill>
-                  <a:srgbClr val="27AFE5"/>
-                </a:solidFill>
-              </a:rPr>
-              <a:t>Help/Cheat sheets/</a:t>
+              <a:t>/Help/Cheat sheets/</a:t>
             </a:r>
           </a:p>
           <a:p>
@@ -13584,11 +13462,6 @@
               </a:rPr>
               <a:t>/Help/DLMtool 4 User Guide.pdf</a:t>
             </a:r>
-            <a:endParaRPr lang="en-CA" dirty="0" smtClean="0">
-              <a:solidFill>
-                <a:srgbClr val="27AFE5"/>
-              </a:solidFill>
-            </a:endParaRPr>
           </a:p>
           <a:p>
             <a:pPr marL="0" indent="0">
@@ -13611,15 +13484,7 @@
                   <a:srgbClr val="27AFE5"/>
                 </a:solidFill>
               </a:rPr>
-              <a:t>		</a:t>
-            </a:r>
-            <a:r>
-              <a:rPr lang="en-CA" dirty="0" smtClean="0">
-                <a:solidFill>
-                  <a:srgbClr val="27AFE5"/>
-                </a:solidFill>
-              </a:rPr>
-              <a:t>	</a:t>
+              <a:t>			</a:t>
             </a:r>
             <a:r>
               <a:rPr lang="en-CA" dirty="0" err="1" smtClean="0">
@@ -13744,6 +13609,52 @@
                 </a:solidFill>
               </a:rPr>
               <a:t>class?OM</a:t>
+            </a:r>
+            <a:endParaRPr lang="en-CA" dirty="0" smtClean="0">
+              <a:solidFill>
+                <a:srgbClr val="00B050"/>
+              </a:solidFill>
+            </a:endParaRPr>
+          </a:p>
+          <a:p>
+            <a:pPr marL="0" indent="0">
+              <a:spcBef>
+                <a:spcPts val="0"/>
+              </a:spcBef>
+              <a:buNone/>
+            </a:pPr>
+            <a:endParaRPr lang="en-CA" dirty="0" smtClean="0">
+              <a:solidFill>
+                <a:srgbClr val="00B050"/>
+              </a:solidFill>
+            </a:endParaRPr>
+          </a:p>
+          <a:p>
+            <a:pPr marL="0" indent="0">
+              <a:spcBef>
+                <a:spcPts val="0"/>
+              </a:spcBef>
+              <a:buNone/>
+            </a:pPr>
+            <a:r>
+              <a:rPr lang="en-CA" dirty="0" smtClean="0"/>
+              <a:t>Online help:</a:t>
+            </a:r>
+            <a:r>
+              <a:rPr lang="en-CA" dirty="0" smtClean="0">
+                <a:solidFill>
+                  <a:srgbClr val="27AFE5"/>
+                </a:solidFill>
+              </a:rPr>
+              <a:t>   https</a:t>
+            </a:r>
+            <a:r>
+              <a:rPr lang="en-CA" dirty="0">
+                <a:solidFill>
+                  <a:srgbClr val="27AFE5"/>
+                </a:solidFill>
+              </a:rPr>
+              <a:t>://dlmtool.github.io/DLMtool/index.html</a:t>
             </a:r>
             <a:endParaRPr lang="en-CA" dirty="0" smtClean="0">
               <a:solidFill>
